--- a/12 - Proximal Policy Optimization (PPO)/slides.pptx
+++ b/12 - Proximal Policy Optimization (PPO)/slides.pptx
@@ -12351,13 +12351,13 @@
 </file>
 
 <file path=customXml/itemProps1.xml><?xml version="1.0" encoding="utf-8"?>
-<ds:datastoreItem xmlns:ds="http://schemas.openxmlformats.org/officeDocument/2006/customXml" ds:itemID="{95C7D984-CD12-434A-9D8B-23053FBC622B}"/>
+<ds:datastoreItem xmlns:ds="http://schemas.openxmlformats.org/officeDocument/2006/customXml" ds:itemID="{2D90F5A4-B4A9-481F-9DAD-94C656D9D5FA}"/>
 </file>
 
 <file path=customXml/itemProps2.xml><?xml version="1.0" encoding="utf-8"?>
-<ds:datastoreItem xmlns:ds="http://schemas.openxmlformats.org/officeDocument/2006/customXml" ds:itemID="{F503B119-591C-48CE-A28B-A04E88A8B347}"/>
+<ds:datastoreItem xmlns:ds="http://schemas.openxmlformats.org/officeDocument/2006/customXml" ds:itemID="{A5AF4155-90D8-4727-ABD9-7633338A9597}"/>
 </file>
 
 <file path=customXml/itemProps3.xml><?xml version="1.0" encoding="utf-8"?>
-<ds:datastoreItem xmlns:ds="http://schemas.openxmlformats.org/officeDocument/2006/customXml" ds:itemID="{654D0E4C-09F1-4B78-8C9E-583C796E4F68}"/>
+<ds:datastoreItem xmlns:ds="http://schemas.openxmlformats.org/officeDocument/2006/customXml" ds:itemID="{A31C4B90-DB8A-4889-90E8-2D6464D571EA}"/>
 </file>